--- a/Advanced Reactor Materials/LecX_AdvancedCladding.pptx
+++ b/Advanced Reactor Materials/LecX_AdvancedCladding.pptx
@@ -7,6 +7,7 @@
   <p:sldIdLst>
     <p:sldId id="257" r:id="rId2"/>
     <p:sldId id="407" r:id="rId3"/>
+    <p:sldId id="480" r:id="rId4"/>
   </p:sldIdLst>
   <p:sldSz cx="12192000" cy="6858000"/>
   <p:notesSz cx="6858000" cy="9144000"/>
@@ -105,6 +106,11 @@
       </a:defRPr>
     </a:lvl9pPr>
   </p:defaultTextStyle>
+  <p:extLst>
+    <p:ext uri="{EFAFB233-063F-42B5-8137-9DF3F51BA10A}">
+      <p15:sldGuideLst xmlns:p15="http://schemas.microsoft.com/office/powerpoint/2012/main"/>
+    </p:ext>
+  </p:extLst>
 </p:presentation>
 </file>
 
@@ -299,7 +305,7 @@
               <a:pPr>
                 <a:defRPr/>
               </a:pPr>
-              <a:t>6/30/21</a:t>
+              <a:t>9/23/21</a:t>
             </a:fld>
             <a:endParaRPr lang="en-US"/>
           </a:p>
@@ -495,7 +501,7 @@
               <a:pPr>
                 <a:defRPr/>
               </a:pPr>
-              <a:t>6/30/21</a:t>
+              <a:t>9/23/21</a:t>
             </a:fld>
             <a:endParaRPr lang="en-US"/>
           </a:p>
@@ -700,7 +706,7 @@
               <a:pPr>
                 <a:defRPr/>
               </a:pPr>
-              <a:t>6/30/21</a:t>
+              <a:t>9/23/21</a:t>
             </a:fld>
             <a:endParaRPr lang="en-US"/>
           </a:p>
@@ -902,7 +908,7 @@
               <a:pPr>
                 <a:defRPr/>
               </a:pPr>
-              <a:t>6/30/21</a:t>
+              <a:t>9/23/21</a:t>
             </a:fld>
             <a:endParaRPr lang="en-US"/>
           </a:p>
@@ -1175,7 +1181,7 @@
               <a:pPr>
                 <a:defRPr/>
               </a:pPr>
-              <a:t>6/30/21</a:t>
+              <a:t>9/23/21</a:t>
             </a:fld>
             <a:endParaRPr lang="en-US"/>
           </a:p>
@@ -1489,7 +1495,7 @@
               <a:pPr>
                 <a:defRPr/>
               </a:pPr>
-              <a:t>6/30/21</a:t>
+              <a:t>9/23/21</a:t>
             </a:fld>
             <a:endParaRPr lang="en-US"/>
           </a:p>
@@ -1812,7 +1818,7 @@
               <a:pPr>
                 <a:defRPr/>
               </a:pPr>
-              <a:t>6/30/21</a:t>
+              <a:t>9/23/21</a:t>
             </a:fld>
             <a:endParaRPr lang="en-US"/>
           </a:p>
@@ -1956,7 +1962,7 @@
               <a:pPr>
                 <a:defRPr/>
               </a:pPr>
-              <a:t>6/30/21</a:t>
+              <a:t>9/23/21</a:t>
             </a:fld>
             <a:endParaRPr lang="en-US"/>
           </a:p>
@@ -2078,7 +2084,7 @@
               <a:pPr>
                 <a:defRPr/>
               </a:pPr>
-              <a:t>6/30/21</a:t>
+              <a:t>9/23/21</a:t>
             </a:fld>
             <a:endParaRPr lang="en-US"/>
           </a:p>
@@ -2380,7 +2386,7 @@
               <a:pPr>
                 <a:defRPr/>
               </a:pPr>
-              <a:t>6/30/21</a:t>
+              <a:t>9/23/21</a:t>
             </a:fld>
             <a:endParaRPr lang="en-US"/>
           </a:p>
@@ -2667,7 +2673,7 @@
               <a:pPr>
                 <a:defRPr/>
               </a:pPr>
-              <a:t>6/30/21</a:t>
+              <a:t>9/23/21</a:t>
             </a:fld>
             <a:endParaRPr lang="en-US"/>
           </a:p>
@@ -2791,14 +2797,14 @@
           </a:ln>
           <a:extLst>
             <a:ext uri="{909E8E84-426E-40dd-AFC4-6F175D3DCCD1}">
-              <a14:hiddenFill xmlns:a14="http://schemas.microsoft.com/office/drawing/2010/main" xmlns="">
+              <a14:hiddenFill xmlns="" xmlns:a14="http://schemas.microsoft.com/office/drawing/2010/main">
                 <a:solidFill>
                   <a:srgbClr val="FFFFFF"/>
                 </a:solidFill>
               </a14:hiddenFill>
             </a:ext>
             <a:ext uri="{91240B29-F687-4f45-9708-019B960494DF}">
-              <a14:hiddenLine xmlns:a14="http://schemas.microsoft.com/office/drawing/2010/main" xmlns="" w="9525">
+              <a14:hiddenLine xmlns="" xmlns:a14="http://schemas.microsoft.com/office/drawing/2010/main" w="9525">
                 <a:solidFill>
                   <a:srgbClr val="000000"/>
                 </a:solidFill>
@@ -2808,7 +2814,7 @@
               </a14:hiddenLine>
             </a:ext>
             <a:ext uri="{FAA26D3D-D897-4be2-8F04-BA451C77F1D7}">
-              <ma14:placeholderFlag xmlns:ma14="http://schemas.microsoft.com/office/mac/drawingml/2011/main" xmlns="" val="1"/>
+              <ma14:placeholderFlag xmlns="" xmlns:ma14="http://schemas.microsoft.com/office/mac/drawingml/2011/main" val="1"/>
             </a:ext>
           </a:extLst>
         </p:spPr>
@@ -2859,14 +2865,14 @@
           </a:ln>
           <a:extLst>
             <a:ext uri="{909E8E84-426E-40dd-AFC4-6F175D3DCCD1}">
-              <a14:hiddenFill xmlns:a14="http://schemas.microsoft.com/office/drawing/2010/main" xmlns="">
+              <a14:hiddenFill xmlns="" xmlns:a14="http://schemas.microsoft.com/office/drawing/2010/main">
                 <a:solidFill>
                   <a:srgbClr val="FFFFFF"/>
                 </a:solidFill>
               </a14:hiddenFill>
             </a:ext>
             <a:ext uri="{91240B29-F687-4f45-9708-019B960494DF}">
-              <a14:hiddenLine xmlns:a14="http://schemas.microsoft.com/office/drawing/2010/main" xmlns="" w="9525">
+              <a14:hiddenLine xmlns="" xmlns:a14="http://schemas.microsoft.com/office/drawing/2010/main" w="9525">
                 <a:solidFill>
                   <a:srgbClr val="000000"/>
                 </a:solidFill>
@@ -2876,7 +2882,7 @@
               </a14:hiddenLine>
             </a:ext>
             <a:ext uri="{FAA26D3D-D897-4be2-8F04-BA451C77F1D7}">
-              <ma14:placeholderFlag xmlns:ma14="http://schemas.microsoft.com/office/mac/drawingml/2011/main" xmlns="" val="1"/>
+              <ma14:placeholderFlag xmlns="" xmlns:ma14="http://schemas.microsoft.com/office/mac/drawingml/2011/main" val="1"/>
             </a:ext>
           </a:extLst>
         </p:spPr>
@@ -2975,7 +2981,7 @@
               <a:pPr>
                 <a:defRPr/>
               </a:pPr>
-              <a:t>6/30/21</a:t>
+              <a:t>9/23/21</a:t>
             </a:fld>
             <a:endParaRPr lang="en-US" dirty="0"/>
           </a:p>
@@ -3677,6 +3683,279 @@
 </p:sld>
 </file>
 
+<file path=ppt/slides/slide3.xml><?xml version="1.0" encoding="utf-8"?>
+<p:sld xmlns:a="http://schemas.openxmlformats.org/drawingml/2006/main" xmlns:r="http://schemas.openxmlformats.org/officeDocument/2006/relationships" xmlns:p="http://schemas.openxmlformats.org/presentationml/2006/main">
+  <p:cSld>
+    <p:spTree>
+      <p:nvGrpSpPr>
+        <p:cNvPr id="1" name=""/>
+        <p:cNvGrpSpPr/>
+        <p:nvPr/>
+      </p:nvGrpSpPr>
+      <p:grpSpPr>
+        <a:xfrm>
+          <a:off x="0" y="0"/>
+          <a:ext cx="0" cy="0"/>
+          <a:chOff x="0" y="0"/>
+          <a:chExt cx="0" cy="0"/>
+        </a:xfrm>
+      </p:grpSpPr>
+      <p:sp>
+        <p:nvSpPr>
+          <p:cNvPr id="2" name="Title 1">
+            <a:extLst>
+              <a:ext uri="{FF2B5EF4-FFF2-40B4-BE49-F238E27FC236}">
+                <a16:creationId xmlns:a16="http://schemas.microsoft.com/office/drawing/2014/main" id="{B96CE851-9CAA-904E-B87E-EDA6E1A4863B}"/>
+              </a:ext>
+            </a:extLst>
+          </p:cNvPr>
+          <p:cNvSpPr>
+            <a:spLocks noGrp="1"/>
+          </p:cNvSpPr>
+          <p:nvPr>
+            <p:ph type="title"/>
+          </p:nvPr>
+        </p:nvSpPr>
+        <p:spPr/>
+        <p:txBody>
+          <a:bodyPr/>
+          <a:lstStyle/>
+          <a:p>
+            <a:r>
+              <a:rPr lang="en-US" dirty="0"/>
+              <a:t>SFR Cladding</a:t>
+            </a:r>
+          </a:p>
+        </p:txBody>
+      </p:sp>
+      <p:sp>
+        <p:nvSpPr>
+          <p:cNvPr id="3" name="Content Placeholder 2">
+            <a:extLst>
+              <a:ext uri="{FF2B5EF4-FFF2-40B4-BE49-F238E27FC236}">
+                <a16:creationId xmlns:a16="http://schemas.microsoft.com/office/drawing/2014/main" id="{DA5AC39C-F1A3-CA4D-8276-0BBA3895B9A8}"/>
+              </a:ext>
+            </a:extLst>
+          </p:cNvPr>
+          <p:cNvSpPr>
+            <a:spLocks noGrp="1"/>
+          </p:cNvSpPr>
+          <p:nvPr>
+            <p:ph sz="half" idx="1"/>
+          </p:nvPr>
+        </p:nvSpPr>
+        <p:spPr>
+          <a:xfrm>
+            <a:off x="609599" y="1968503"/>
+            <a:ext cx="6243145" cy="4157663"/>
+          </a:xfrm>
+        </p:spPr>
+        <p:txBody>
+          <a:bodyPr/>
+          <a:lstStyle/>
+          <a:p>
+            <a:r>
+              <a:rPr lang="en-US" sz="2400" dirty="0"/>
+              <a:t>HT9 is the current cladding material of choice for SFRs</a:t>
+            </a:r>
+          </a:p>
+          <a:p>
+            <a:r>
+              <a:rPr lang="en-US" sz="2400" dirty="0"/>
+              <a:t>HT9 is a </a:t>
+            </a:r>
+            <a:r>
+              <a:rPr lang="en-US" sz="2400" dirty="0" err="1"/>
+              <a:t>nonswelling</a:t>
+            </a:r>
+            <a:r>
+              <a:rPr lang="en-US" sz="2400" dirty="0"/>
+              <a:t> ferritic/martensitic stainless steel</a:t>
+            </a:r>
+          </a:p>
+          <a:p>
+            <a:r>
+              <a:rPr lang="en-US" sz="2400" dirty="0"/>
+              <a:t>The rate of cladding strain has increased for the initially 85% fuel smeared density elements</a:t>
+            </a:r>
+          </a:p>
+          <a:p>
+            <a:endParaRPr lang="en-US" sz="2400" dirty="0"/>
+          </a:p>
+          <a:p>
+            <a:endParaRPr lang="en-US" sz="2400" dirty="0"/>
+          </a:p>
+          <a:p>
+            <a:endParaRPr lang="en-US" sz="2400" dirty="0"/>
+          </a:p>
+        </p:txBody>
+      </p:sp>
+      <p:sp>
+        <p:nvSpPr>
+          <p:cNvPr id="5" name="Slide Number Placeholder 4">
+            <a:extLst>
+              <a:ext uri="{FF2B5EF4-FFF2-40B4-BE49-F238E27FC236}">
+                <a16:creationId xmlns:a16="http://schemas.microsoft.com/office/drawing/2014/main" id="{000C07CA-C85C-0E46-83B0-05559C6298A2}"/>
+              </a:ext>
+            </a:extLst>
+          </p:cNvPr>
+          <p:cNvSpPr>
+            <a:spLocks noGrp="1"/>
+          </p:cNvSpPr>
+          <p:nvPr>
+            <p:ph type="sldNum" sz="quarter" idx="12"/>
+          </p:nvPr>
+        </p:nvSpPr>
+        <p:spPr/>
+        <p:txBody>
+          <a:bodyPr/>
+          <a:lstStyle/>
+          <a:p>
+            <a:pPr>
+              <a:defRPr/>
+            </a:pPr>
+            <a:fld id="{EC35E9FC-F6D5-0349-BBED-EA7D7A9BC49B}" type="slidenum">
+              <a:rPr lang="en-US" smtClean="0"/>
+              <a:pPr>
+                <a:defRPr/>
+              </a:pPr>
+              <a:t>3</a:t>
+            </a:fld>
+            <a:endParaRPr lang="en-US"/>
+          </a:p>
+        </p:txBody>
+      </p:sp>
+      <p:pic>
+        <p:nvPicPr>
+          <p:cNvPr id="6" name="Content Placeholder 5">
+            <a:extLst>
+              <a:ext uri="{FF2B5EF4-FFF2-40B4-BE49-F238E27FC236}">
+                <a16:creationId xmlns:a16="http://schemas.microsoft.com/office/drawing/2014/main" id="{531087AC-ABF8-AA4B-884C-5B745CBDE44E}"/>
+              </a:ext>
+            </a:extLst>
+          </p:cNvPr>
+          <p:cNvPicPr>
+            <a:picLocks noGrp="1" noChangeAspect="1"/>
+          </p:cNvPicPr>
+          <p:nvPr>
+            <p:ph sz="half" idx="2"/>
+          </p:nvPr>
+        </p:nvPicPr>
+        <p:blipFill>
+          <a:blip r:embed="rId2"/>
+          <a:stretch>
+            <a:fillRect/>
+          </a:stretch>
+        </p:blipFill>
+        <p:spPr>
+          <a:xfrm>
+            <a:off x="7493876" y="1758056"/>
+            <a:ext cx="3373820" cy="2460384"/>
+          </a:xfrm>
+          <a:prstGeom prst="rect">
+            <a:avLst/>
+          </a:prstGeom>
+        </p:spPr>
+      </p:pic>
+      <p:grpSp>
+        <p:nvGrpSpPr>
+          <p:cNvPr id="9" name="Group 8">
+            <a:extLst>
+              <a:ext uri="{FF2B5EF4-FFF2-40B4-BE49-F238E27FC236}">
+                <a16:creationId xmlns:a16="http://schemas.microsoft.com/office/drawing/2014/main" id="{96B7E4DF-7DD2-0F4C-BDDC-1B287FA7D508}"/>
+              </a:ext>
+            </a:extLst>
+          </p:cNvPr>
+          <p:cNvGrpSpPr/>
+          <p:nvPr/>
+        </p:nvGrpSpPr>
+        <p:grpSpPr>
+          <a:xfrm>
+            <a:off x="7367751" y="4218440"/>
+            <a:ext cx="3885104" cy="2584617"/>
+            <a:chOff x="7367751" y="4218440"/>
+            <a:chExt cx="3885104" cy="2584617"/>
+          </a:xfrm>
+        </p:grpSpPr>
+        <p:pic>
+          <p:nvPicPr>
+            <p:cNvPr id="7" name="Picture 6">
+              <a:extLst>
+                <a:ext uri="{FF2B5EF4-FFF2-40B4-BE49-F238E27FC236}">
+                  <a16:creationId xmlns:a16="http://schemas.microsoft.com/office/drawing/2014/main" id="{6BCD6EFD-6BE5-F241-9BF2-2C363B6643EF}"/>
+                </a:ext>
+              </a:extLst>
+            </p:cNvPr>
+            <p:cNvPicPr>
+              <a:picLocks noChangeAspect="1"/>
+            </p:cNvPicPr>
+            <p:nvPr/>
+          </p:nvPicPr>
+          <p:blipFill>
+            <a:blip r:embed="rId3"/>
+            <a:stretch>
+              <a:fillRect/>
+            </a:stretch>
+          </p:blipFill>
+          <p:spPr>
+            <a:xfrm>
+              <a:off x="7367751" y="4218440"/>
+              <a:ext cx="3885104" cy="2584617"/>
+            </a:xfrm>
+            <a:prstGeom prst="rect">
+              <a:avLst/>
+            </a:prstGeom>
+          </p:spPr>
+        </p:pic>
+        <p:sp>
+          <p:nvSpPr>
+            <p:cNvPr id="8" name="TextBox 7">
+              <a:extLst>
+                <a:ext uri="{FF2B5EF4-FFF2-40B4-BE49-F238E27FC236}">
+                  <a16:creationId xmlns:a16="http://schemas.microsoft.com/office/drawing/2014/main" id="{A6FFB420-B13E-AF4D-9FB4-348E057436AA}"/>
+                </a:ext>
+              </a:extLst>
+            </p:cNvPr>
+            <p:cNvSpPr txBox="1"/>
+            <p:nvPr/>
+          </p:nvSpPr>
+          <p:spPr>
+            <a:xfrm>
+              <a:off x="8460828" y="5057779"/>
+              <a:ext cx="882869" cy="307777"/>
+            </a:xfrm>
+            <a:prstGeom prst="rect">
+              <a:avLst/>
+            </a:prstGeom>
+            <a:noFill/>
+          </p:spPr>
+          <p:txBody>
+            <a:bodyPr wrap="square" rtlCol="0">
+              <a:spAutoFit/>
+            </a:bodyPr>
+            <a:lstStyle/>
+            <a:p>
+              <a:r>
+                <a:rPr lang="en-US" sz="1400" dirty="0"/>
+                <a:t>12.5% BU</a:t>
+              </a:r>
+            </a:p>
+          </p:txBody>
+        </p:sp>
+      </p:grpSp>
+    </p:spTree>
+    <p:extLst>
+      <p:ext uri="{BB962C8B-B14F-4D97-AF65-F5344CB8AC3E}">
+        <p14:creationId xmlns:p14="http://schemas.microsoft.com/office/powerpoint/2010/main" val="2739085487"/>
+      </p:ext>
+    </p:extLst>
+  </p:cSld>
+  <p:clrMapOvr>
+    <a:masterClrMapping/>
+  </p:clrMapOvr>
+</p:sld>
+</file>
+
 <file path=ppt/theme/theme1.xml><?xml version="1.0" encoding="utf-8"?>
 <a:theme xmlns:a="http://schemas.openxmlformats.org/drawingml/2006/main" name="1_NCStateU-horizontal-left-logo">
   <a:themeElements>
